--- a/fastgpt_(Security_C).pptx
+++ b/fastgpt_(Security_C).pptx
@@ -6679,36 +6679,6 @@
           </a:p>
         </p:txBody>
       </p:sp>
-      <p:sp>
-        <p:nvSpPr>
-          <p:cNvPr id="3" name="內容版面配置區 2">
-            <a:extLst>
-              <a:ext uri="{FF2B5EF4-FFF2-40B4-BE49-F238E27FC236}">
-                <a16:creationId xmlns:a16="http://schemas.microsoft.com/office/drawing/2014/main" id="{5374DE2F-E753-BF4E-C2C4-906B53059F3B}"/>
-              </a:ext>
-            </a:extLst>
-          </p:cNvPr>
-          <p:cNvSpPr>
-            <a:spLocks noGrp="1"/>
-          </p:cNvSpPr>
-          <p:nvPr>
-            <p:ph idx="1"/>
-          </p:nvPr>
-        </p:nvSpPr>
-        <p:spPr>
-          <a:xfrm>
-            <a:off x="4261282" y="1446415"/>
-            <a:ext cx="7092518" cy="4730548"/>
-          </a:xfrm>
-        </p:spPr>
-        <p:txBody>
-          <a:bodyPr/>
-          <a:lstStyle/>
-          <a:p>
-            <a:endParaRPr lang="zh-TW" altLang="en-US"/>
-          </a:p>
-        </p:txBody>
-      </p:sp>
       <p:pic>
         <p:nvPicPr>
           <p:cNvPr id="5" name="圖片 4">
@@ -6739,6 +6709,203 @@
           </a:prstGeom>
         </p:spPr>
       </p:pic>
+      <p:sp>
+        <p:nvSpPr>
+          <p:cNvPr id="4" name="文字方塊 3">
+            <a:extLst>
+              <a:ext uri="{FF2B5EF4-FFF2-40B4-BE49-F238E27FC236}">
+                <a16:creationId xmlns:a16="http://schemas.microsoft.com/office/drawing/2014/main" id="{C5003572-C861-3931-083F-39FBFAAFF8E4}"/>
+              </a:ext>
+            </a:extLst>
+          </p:cNvPr>
+          <p:cNvSpPr txBox="1"/>
+          <p:nvPr/>
+        </p:nvSpPr>
+        <p:spPr>
+          <a:xfrm>
+            <a:off x="3994952" y="1677879"/>
+            <a:ext cx="1107996" cy="369332"/>
+          </a:xfrm>
+          <a:prstGeom prst="rect">
+            <a:avLst/>
+          </a:prstGeom>
+          <a:noFill/>
+        </p:spPr>
+        <p:txBody>
+          <a:bodyPr wrap="none" rtlCol="0">
+            <a:spAutoFit/>
+          </a:bodyPr>
+          <a:lstStyle/>
+          <a:p>
+            <a:r>
+              <a:rPr lang="zh-TW" altLang="en-US" b="1" dirty="0">
+                <a:latin typeface="微軟正黑體" panose="020B0604030504040204" pitchFamily="34" charset="-120"/>
+                <a:ea typeface="微軟正黑體" panose="020B0604030504040204" pitchFamily="34" charset="-120"/>
+              </a:rPr>
+              <a:t>簡易流程</a:t>
+            </a:r>
+          </a:p>
+        </p:txBody>
+      </p:sp>
+      <p:sp>
+        <p:nvSpPr>
+          <p:cNvPr id="6" name="文字方塊 5">
+            <a:extLst>
+              <a:ext uri="{FF2B5EF4-FFF2-40B4-BE49-F238E27FC236}">
+                <a16:creationId xmlns:a16="http://schemas.microsoft.com/office/drawing/2014/main" id="{F9222C8B-9D2A-3583-71A5-C8DACF0ADADB}"/>
+              </a:ext>
+            </a:extLst>
+          </p:cNvPr>
+          <p:cNvSpPr txBox="1"/>
+          <p:nvPr/>
+        </p:nvSpPr>
+        <p:spPr>
+          <a:xfrm>
+            <a:off x="3994952" y="2453242"/>
+            <a:ext cx="1569660" cy="369332"/>
+          </a:xfrm>
+          <a:prstGeom prst="rect">
+            <a:avLst/>
+          </a:prstGeom>
+          <a:noFill/>
+        </p:spPr>
+        <p:txBody>
+          <a:bodyPr wrap="none" rtlCol="0">
+            <a:spAutoFit/>
+          </a:bodyPr>
+          <a:lstStyle/>
+          <a:p>
+            <a:r>
+              <a:rPr lang="zh-TW" altLang="en-US" b="1" dirty="0">
+                <a:latin typeface="微軟正黑體" panose="020B0604030504040204" pitchFamily="34" charset="-120"/>
+                <a:ea typeface="微軟正黑體" panose="020B0604030504040204" pitchFamily="34" charset="-120"/>
+              </a:rPr>
+              <a:t>整合較多流程</a:t>
+            </a:r>
+          </a:p>
+        </p:txBody>
+      </p:sp>
+      <p:sp>
+        <p:nvSpPr>
+          <p:cNvPr id="7" name="文字方塊 6">
+            <a:extLst>
+              <a:ext uri="{FF2B5EF4-FFF2-40B4-BE49-F238E27FC236}">
+                <a16:creationId xmlns:a16="http://schemas.microsoft.com/office/drawing/2014/main" id="{164F7864-BF64-0EF7-9E92-A232FB05F279}"/>
+              </a:ext>
+            </a:extLst>
+          </p:cNvPr>
+          <p:cNvSpPr txBox="1"/>
+          <p:nvPr/>
+        </p:nvSpPr>
+        <p:spPr>
+          <a:xfrm>
+            <a:off x="3994952" y="3624278"/>
+            <a:ext cx="1800493" cy="369332"/>
+          </a:xfrm>
+          <a:prstGeom prst="rect">
+            <a:avLst/>
+          </a:prstGeom>
+          <a:noFill/>
+        </p:spPr>
+        <p:txBody>
+          <a:bodyPr wrap="none" rtlCol="0">
+            <a:spAutoFit/>
+          </a:bodyPr>
+          <a:lstStyle/>
+          <a:p>
+            <a:r>
+              <a:rPr lang="zh-TW" altLang="en-US" b="1" dirty="0">
+                <a:latin typeface="微軟正黑體" panose="020B0604030504040204" pitchFamily="34" charset="-120"/>
+                <a:ea typeface="微軟正黑體" panose="020B0604030504040204" pitchFamily="34" charset="-120"/>
+              </a:rPr>
+              <a:t>功能豐富的插件</a:t>
+            </a:r>
+          </a:p>
+        </p:txBody>
+      </p:sp>
+      <p:sp>
+        <p:nvSpPr>
+          <p:cNvPr id="8" name="文字方塊 7">
+            <a:extLst>
+              <a:ext uri="{FF2B5EF4-FFF2-40B4-BE49-F238E27FC236}">
+                <a16:creationId xmlns:a16="http://schemas.microsoft.com/office/drawing/2014/main" id="{16DD0E6C-7318-8D64-6F89-C6C7B94DBA17}"/>
+              </a:ext>
+            </a:extLst>
+          </p:cNvPr>
+          <p:cNvSpPr txBox="1"/>
+          <p:nvPr/>
+        </p:nvSpPr>
+        <p:spPr>
+          <a:xfrm>
+            <a:off x="3994951" y="4327094"/>
+            <a:ext cx="1635384" cy="369332"/>
+          </a:xfrm>
+          <a:prstGeom prst="rect">
+            <a:avLst/>
+          </a:prstGeom>
+          <a:noFill/>
+        </p:spPr>
+        <p:txBody>
+          <a:bodyPr wrap="none" rtlCol="0">
+            <a:spAutoFit/>
+          </a:bodyPr>
+          <a:lstStyle/>
+          <a:p>
+            <a:r>
+              <a:rPr lang="en-US" altLang="zh-TW" b="1" dirty="0">
+                <a:latin typeface="微軟正黑體" panose="020B0604030504040204" pitchFamily="34" charset="-120"/>
+                <a:ea typeface="微軟正黑體" panose="020B0604030504040204" pitchFamily="34" charset="-120"/>
+              </a:rPr>
+              <a:t>http</a:t>
+            </a:r>
+            <a:r>
+              <a:rPr lang="zh-TW" altLang="en-US" b="1" dirty="0">
+                <a:latin typeface="微軟正黑體" panose="020B0604030504040204" pitchFamily="34" charset="-120"/>
+                <a:ea typeface="微軟正黑體" panose="020B0604030504040204" pitchFamily="34" charset="-120"/>
+              </a:rPr>
+              <a:t> 請求插件</a:t>
+            </a:r>
+          </a:p>
+        </p:txBody>
+      </p:sp>
+      <p:sp>
+        <p:nvSpPr>
+          <p:cNvPr id="9" name="文字方塊 8">
+            <a:extLst>
+              <a:ext uri="{FF2B5EF4-FFF2-40B4-BE49-F238E27FC236}">
+                <a16:creationId xmlns:a16="http://schemas.microsoft.com/office/drawing/2014/main" id="{24800CFB-547C-AC21-B2D3-66DAA6ED8EE0}"/>
+              </a:ext>
+            </a:extLst>
+          </p:cNvPr>
+          <p:cNvSpPr txBox="1"/>
+          <p:nvPr/>
+        </p:nvSpPr>
+        <p:spPr>
+          <a:xfrm>
+            <a:off x="3994951" y="5313464"/>
+            <a:ext cx="1569660" cy="369332"/>
+          </a:xfrm>
+          <a:prstGeom prst="rect">
+            <a:avLst/>
+          </a:prstGeom>
+          <a:noFill/>
+        </p:spPr>
+        <p:txBody>
+          <a:bodyPr wrap="none" rtlCol="0">
+            <a:spAutoFit/>
+          </a:bodyPr>
+          <a:lstStyle/>
+          <a:p>
+            <a:r>
+              <a:rPr lang="zh-TW" altLang="en-US" b="1" dirty="0">
+                <a:latin typeface="微軟正黑體" panose="020B0604030504040204" pitchFamily="34" charset="-120"/>
+                <a:ea typeface="微軟正黑體" panose="020B0604030504040204" pitchFamily="34" charset="-120"/>
+              </a:rPr>
+              <a:t>可使用的模板</a:t>
+            </a:r>
+          </a:p>
+        </p:txBody>
+      </p:sp>
     </p:spTree>
     <p:extLst>
       <p:ext uri="{BB962C8B-B14F-4D97-AF65-F5344CB8AC3E}">
